--- a/7-Draft/wssa-23.pptx
+++ b/7-Draft/wssa-23.pptx
@@ -2971,127 +2971,12 @@
           <a:chExt cx="0" cy="0"/>
         </a:xfrm>
       </p:grpSpPr>
-      <p:sp>
-        <p:nvSpPr>
-          <p:cNvPr id="2" name="Title 1">
+      <p:pic>
+        <p:nvPicPr>
+          <p:cNvPr id="16" name="Picture 15" descr="Chart, scatter chart&#10;&#10;Description automatically generated">
             <a:extLst>
               <a:ext uri="{FF2B5EF4-FFF2-40B4-BE49-F238E27FC236}">
-                <a16:creationId xmlns:a16="http://schemas.microsoft.com/office/drawing/2014/main" id="{E27C5E28-4A65-365F-14CD-78B7F2EE417A}"/>
-              </a:ext>
-            </a:extLst>
-          </p:cNvPr>
-          <p:cNvSpPr>
-            <a:spLocks noGrp="1"/>
-          </p:cNvSpPr>
-          <p:nvPr>
-            <p:ph type="ctrTitle"/>
-          </p:nvPr>
-        </p:nvSpPr>
-        <p:spPr>
-          <a:xfrm>
-            <a:off x="1239339" y="658586"/>
-            <a:ext cx="37754923" cy="3588297"/>
-          </a:xfrm>
-        </p:spPr>
-        <p:txBody>
-          <a:bodyPr>
-            <a:noAutofit/>
-          </a:bodyPr>
-          <a:lstStyle/>
-          <a:p>
-            <a:r>
-              <a:rPr lang="en-US" sz="10300" b="1" dirty="0">
-                <a:solidFill>
-                  <a:srgbClr val="C00000"/>
-                </a:solidFill>
-                <a:latin typeface="Aharoni" panose="020F0502020204030204" pitchFamily="34" charset="0"/>
-                <a:cs typeface="Aharoni" panose="020F0502020204030204" pitchFamily="34" charset="0"/>
-              </a:rPr>
-              <a:t>Weed suppression from frost-seeded </a:t>
-            </a:r>
-            <a:r>
-              <a:rPr lang="en-US" sz="10300" b="1" i="1" dirty="0">
-                <a:solidFill>
-                  <a:srgbClr val="C00000"/>
-                </a:solidFill>
-                <a:latin typeface="Aharoni" panose="020F0502020204030204" pitchFamily="34" charset="0"/>
-                <a:cs typeface="Aharoni" panose="020F0502020204030204" pitchFamily="34" charset="0"/>
-              </a:rPr>
-              <a:t>Brassicaceae</a:t>
-            </a:r>
-            <a:r>
-              <a:rPr lang="en-US" sz="10300" b="1" dirty="0">
-                <a:solidFill>
-                  <a:srgbClr val="C00000"/>
-                </a:solidFill>
-                <a:latin typeface="Aharoni" panose="020F0502020204030204" pitchFamily="34" charset="0"/>
-                <a:cs typeface="Aharoni" panose="020F0502020204030204" pitchFamily="34" charset="0"/>
-              </a:rPr>
-              <a:t> </a:t>
-            </a:r>
-            <a:br>
-              <a:rPr lang="en-US" sz="10300" b="1" dirty="0">
-                <a:solidFill>
-                  <a:srgbClr val="C00000"/>
-                </a:solidFill>
-                <a:latin typeface="Aharoni" panose="020F0502020204030204" pitchFamily="34" charset="0"/>
-                <a:cs typeface="Aharoni" panose="020F0502020204030204" pitchFamily="34" charset="0"/>
-              </a:rPr>
-            </a:br>
-            <a:r>
-              <a:rPr lang="en-US" sz="10300" b="1" dirty="0">
-                <a:solidFill>
-                  <a:srgbClr val="C00000"/>
-                </a:solidFill>
-                <a:latin typeface="Aharoni" panose="020F0502020204030204" pitchFamily="34" charset="0"/>
-                <a:cs typeface="Aharoni" panose="020F0502020204030204" pitchFamily="34" charset="0"/>
-              </a:rPr>
-              <a:t>cover crops </a:t>
-            </a:r>
-          </a:p>
-        </p:txBody>
-      </p:sp>
-      <p:sp>
-        <p:nvSpPr>
-          <p:cNvPr id="3" name="Subtitle 2">
-            <a:extLst>
-              <a:ext uri="{FF2B5EF4-FFF2-40B4-BE49-F238E27FC236}">
-                <a16:creationId xmlns:a16="http://schemas.microsoft.com/office/drawing/2014/main" id="{F6E64FAF-69D6-0F14-2A95-0CD7F1AB2991}"/>
-              </a:ext>
-            </a:extLst>
-          </p:cNvPr>
-          <p:cNvSpPr>
-            <a:spLocks noGrp="1"/>
-          </p:cNvSpPr>
-          <p:nvPr>
-            <p:ph type="subTitle" idx="1"/>
-          </p:nvPr>
-        </p:nvSpPr>
-        <p:spPr>
-          <a:xfrm>
-            <a:off x="239486" y="4283466"/>
-            <a:ext cx="40353341" cy="3056102"/>
-          </a:xfrm>
-        </p:spPr>
-        <p:txBody>
-          <a:bodyPr>
-            <a:normAutofit/>
-          </a:bodyPr>
-          <a:lstStyle/>
-          <a:p>
-            <a:r>
-              <a:rPr lang="en-US" sz="6600" dirty="0"/>
-              <a:t>Huong Nguyen, Olivia Fisher, Amy Fox, Kristen Loria, Kathryn Marini, Chris Pelzer, Adam Sharifi, Domenic Varma, Sandra Wayman, Matt Ryan</a:t>
-            </a:r>
-          </a:p>
-        </p:txBody>
-      </p:sp>
-      <p:pic>
-        <p:nvPicPr>
-          <p:cNvPr id="5" name="Picture 4" descr="Chart, line chart, scatter chart&#10;&#10;Description automatically generated">
-            <a:extLst>
-              <a:ext uri="{FF2B5EF4-FFF2-40B4-BE49-F238E27FC236}">
-                <a16:creationId xmlns:a16="http://schemas.microsoft.com/office/drawing/2014/main" id="{6B009D1F-26DF-EDB9-4CD6-4FADBF3A6215}"/>
+                <a16:creationId xmlns:a16="http://schemas.microsoft.com/office/drawing/2014/main" id="{FC73C81C-EC50-95AB-169E-27DAE8076697}"/>
               </a:ext>
             </a:extLst>
           </p:cNvPr>
@@ -3108,8 +2993,8 @@
         </p:blipFill>
         <p:spPr>
           <a:xfrm>
-            <a:off x="10258024" y="11287787"/>
-            <a:ext cx="28997728" cy="17398637"/>
+            <a:off x="9979256" y="9209877"/>
+            <a:ext cx="30109562" cy="18065737"/>
           </a:xfrm>
           <a:prstGeom prst="rect">
             <a:avLst/>
@@ -3145,7 +3030,7 @@
         </p:blipFill>
         <p:spPr bwMode="auto">
           <a:xfrm>
-            <a:off x="22135976" y="36020954"/>
+            <a:off x="-60557" y="428872"/>
             <a:ext cx="24494847" cy="4062413"/>
           </a:xfrm>
           <a:prstGeom prst="rect">
@@ -3165,6 +3050,116 @@
       </p:pic>
       <p:sp>
         <p:nvSpPr>
+          <p:cNvPr id="2" name="Title 1">
+            <a:extLst>
+              <a:ext uri="{FF2B5EF4-FFF2-40B4-BE49-F238E27FC236}">
+                <a16:creationId xmlns:a16="http://schemas.microsoft.com/office/drawing/2014/main" id="{E27C5E28-4A65-365F-14CD-78B7F2EE417A}"/>
+              </a:ext>
+            </a:extLst>
+          </p:cNvPr>
+          <p:cNvSpPr>
+            <a:spLocks noGrp="1"/>
+          </p:cNvSpPr>
+          <p:nvPr>
+            <p:ph type="ctrTitle"/>
+          </p:nvPr>
+        </p:nvSpPr>
+        <p:spPr>
+          <a:xfrm>
+            <a:off x="17347446" y="2152"/>
+            <a:ext cx="22502896" cy="3763990"/>
+          </a:xfrm>
+          <a:solidFill>
+            <a:schemeClr val="bg1"/>
+          </a:solidFill>
+        </p:spPr>
+        <p:txBody>
+          <a:bodyPr>
+            <a:noAutofit/>
+          </a:bodyPr>
+          <a:lstStyle/>
+          <a:p>
+            <a:pPr algn="l"/>
+            <a:r>
+              <a:rPr lang="en-US" sz="10000" b="1" dirty="0">
+                <a:solidFill>
+                  <a:srgbClr val="C00000"/>
+                </a:solidFill>
+                <a:latin typeface="Aharoni" panose="020F0502020204030204" pitchFamily="34" charset="0"/>
+                <a:cs typeface="Aharoni" panose="020F0502020204030204" pitchFamily="34" charset="0"/>
+              </a:rPr>
+              <a:t>Weed suppression from frost-seeded</a:t>
+            </a:r>
+            <a:br>
+              <a:rPr lang="en-US" sz="10000" b="1" dirty="0">
+                <a:solidFill>
+                  <a:srgbClr val="C00000"/>
+                </a:solidFill>
+                <a:latin typeface="Aharoni" panose="020F0502020204030204" pitchFamily="34" charset="0"/>
+                <a:cs typeface="Aharoni" panose="020F0502020204030204" pitchFamily="34" charset="0"/>
+              </a:rPr>
+            </a:br>
+            <a:r>
+              <a:rPr lang="en-US" sz="10000" b="1" i="1" dirty="0">
+                <a:solidFill>
+                  <a:srgbClr val="C00000"/>
+                </a:solidFill>
+                <a:latin typeface="Aharoni" panose="020F0502020204030204" pitchFamily="34" charset="0"/>
+                <a:cs typeface="Aharoni" panose="020F0502020204030204" pitchFamily="34" charset="0"/>
+              </a:rPr>
+              <a:t>Brassicaceae</a:t>
+            </a:r>
+            <a:r>
+              <a:rPr lang="en-US" sz="10000" b="1" dirty="0">
+                <a:solidFill>
+                  <a:srgbClr val="C00000"/>
+                </a:solidFill>
+                <a:latin typeface="Aharoni" panose="020F0502020204030204" pitchFamily="34" charset="0"/>
+                <a:cs typeface="Aharoni" panose="020F0502020204030204" pitchFamily="34" charset="0"/>
+              </a:rPr>
+              <a:t> cover crops </a:t>
+            </a:r>
+          </a:p>
+        </p:txBody>
+      </p:sp>
+      <p:sp>
+        <p:nvSpPr>
+          <p:cNvPr id="3" name="Subtitle 2">
+            <a:extLst>
+              <a:ext uri="{FF2B5EF4-FFF2-40B4-BE49-F238E27FC236}">
+                <a16:creationId xmlns:a16="http://schemas.microsoft.com/office/drawing/2014/main" id="{F6E64FAF-69D6-0F14-2A95-0CD7F1AB2991}"/>
+              </a:ext>
+            </a:extLst>
+          </p:cNvPr>
+          <p:cNvSpPr>
+            <a:spLocks noGrp="1"/>
+          </p:cNvSpPr>
+          <p:nvPr>
+            <p:ph type="subTitle" idx="1"/>
+          </p:nvPr>
+        </p:nvSpPr>
+        <p:spPr>
+          <a:xfrm>
+            <a:off x="-60557" y="4389622"/>
+            <a:ext cx="39379757" cy="3056102"/>
+          </a:xfrm>
+        </p:spPr>
+        <p:txBody>
+          <a:bodyPr>
+            <a:normAutofit/>
+          </a:bodyPr>
+          <a:lstStyle/>
+          <a:p>
+            <a:pPr algn="r"/>
+            <a:r>
+              <a:rPr lang="en-US" sz="6600" dirty="0"/>
+              <a:t>Huong Nguyen, Olivia Fisher, Amy Fox, Kristen Loria, Kathryn Marini, Chris Pelzer, Adam Sharifi, Domenic Varma, Sandra Wayman, Matt Ryan </a:t>
+            </a:r>
+          </a:p>
+        </p:txBody>
+      </p:sp>
+      <p:sp>
+        <p:nvSpPr>
           <p:cNvPr id="7" name="TextBox 6">
             <a:extLst>
               <a:ext uri="{FF2B5EF4-FFF2-40B4-BE49-F238E27FC236}">
@@ -3177,8 +3172,8 @@
         </p:nvSpPr>
         <p:spPr>
           <a:xfrm>
-            <a:off x="615079" y="8421243"/>
-            <a:ext cx="11148060" cy="3785652"/>
+            <a:off x="482546" y="8498031"/>
+            <a:ext cx="9653503" cy="15788938"/>
           </a:xfrm>
           <a:prstGeom prst="rect">
             <a:avLst/>
@@ -3203,20 +3198,58 @@
             </a:r>
           </a:p>
           <a:p>
-            <a:endParaRPr lang="en-US" sz="6000" b="1" dirty="0"/>
-          </a:p>
-          <a:p>
+            <a:pPr marL="857250" indent="-857250">
+              <a:buFont typeface="Arial" panose="020B0604020202020204" pitchFamily="34" charset="0"/>
+              <a:buChar char="•"/>
+            </a:pPr>
             <a:r>
               <a:rPr lang="en-US" sz="6000" dirty="0"/>
-              <a:t>Can frost-seeded </a:t>
-            </a:r>
-            <a:r>
-              <a:rPr lang="en-US" sz="6000" i="1" dirty="0"/>
-              <a:t>Brassicaceae</a:t>
-            </a:r>
+              <a:t>Cover crops can build soil fertility and suppress weeds [1].</a:t>
+            </a:r>
+          </a:p>
+          <a:p>
+            <a:pPr marL="857250" indent="-857250">
+              <a:buFont typeface="Arial" panose="020B0604020202020204" pitchFamily="34" charset="0"/>
+              <a:buChar char="•"/>
+            </a:pPr>
             <a:r>
               <a:rPr lang="en-US" sz="6000" dirty="0"/>
-              <a:t> provide reliable weed suppression? </a:t>
+              <a:t>Red clover </a:t>
+            </a:r>
+            <a:r>
+              <a:rPr lang="en-US" sz="6000" dirty="0">
+                <a:solidFill>
+                  <a:schemeClr val="tx1"/>
+                </a:solidFill>
+              </a:rPr>
+              <a:t>(</a:t>
+            </a:r>
+            <a:r>
+              <a:rPr lang="en-US" sz="6000" i="1" dirty="0">
+                <a:solidFill>
+                  <a:schemeClr val="tx1"/>
+                </a:solidFill>
+              </a:rPr>
+              <a:t>Trifolium pratense </a:t>
+            </a:r>
+            <a:r>
+              <a:rPr lang="en-US" sz="6000" dirty="0">
+                <a:solidFill>
+                  <a:schemeClr val="tx1"/>
+                </a:solidFill>
+              </a:rPr>
+              <a:t>L.) is a winter-hardy cover crop that provides multiple benefits [2] while requires little management [3].</a:t>
+            </a:r>
+            <a:endParaRPr lang="en-US" sz="6000" dirty="0"/>
+          </a:p>
+          <a:p>
+            <a:pPr marL="857250" indent="-857250">
+              <a:buFont typeface="Arial" panose="020B0604020202020204" pitchFamily="34" charset="0"/>
+              <a:buChar char="•"/>
+            </a:pPr>
+            <a:r>
+              <a:rPr lang="en-US" sz="6000" dirty="0"/>
+              <a:t>Most brassicas are cool-season crops. Yellow mustard, spring canola, and winter rapeseed residues when incorporated with soil can reduce weed seedling emergence [4]. </a:t>
             </a:r>
           </a:p>
         </p:txBody>
@@ -3235,7 +3268,7 @@
         </p:nvSpPr>
         <p:spPr>
           <a:xfrm>
-            <a:off x="22407356" y="7687270"/>
+            <a:off x="22140271" y="6002465"/>
             <a:ext cx="3014690" cy="1015663"/>
           </a:xfrm>
           <a:prstGeom prst="rect">
@@ -3276,8 +3309,8 @@
         </p:nvSpPr>
         <p:spPr>
           <a:xfrm>
-            <a:off x="12186868" y="9050909"/>
-            <a:ext cx="26470356" cy="2123658"/>
+            <a:off x="6400801" y="7040638"/>
+            <a:ext cx="33832800" cy="1107996"/>
           </a:xfrm>
           <a:prstGeom prst="rect">
             <a:avLst/>
@@ -3291,33 +3324,15 @@
           <a:lstStyle/>
           <a:p>
             <a:r>
-              <a:rPr lang="en-US" sz="6600" b="1" dirty="0">
-                <a:solidFill>
-                  <a:schemeClr val="accent6">
-                    <a:lumMod val="75000"/>
-                  </a:schemeClr>
-                </a:solidFill>
-              </a:rPr>
+              <a:rPr lang="en-US" sz="6600" b="1" dirty="0"/>
               <a:t>Collard provided the strongest weed suppression among all the examined </a:t>
             </a:r>
             <a:r>
-              <a:rPr lang="en-US" sz="6600" b="1" i="1" dirty="0">
-                <a:solidFill>
-                  <a:schemeClr val="accent6">
-                    <a:lumMod val="75000"/>
-                  </a:schemeClr>
-                </a:solidFill>
-              </a:rPr>
+              <a:rPr lang="en-US" sz="6600" b="1" i="1" dirty="0"/>
               <a:t>Brassicaceae </a:t>
             </a:r>
             <a:r>
-              <a:rPr lang="en-US" sz="6600" b="1" dirty="0">
-                <a:solidFill>
-                  <a:schemeClr val="accent6">
-                    <a:lumMod val="75000"/>
-                  </a:schemeClr>
-                </a:solidFill>
-              </a:rPr>
+              <a:rPr lang="en-US" sz="6600" b="1" dirty="0"/>
               <a:t>species.</a:t>
             </a:r>
           </a:p>
@@ -3339,8 +3354,8 @@
             </p:nvSpPr>
             <p:spPr>
               <a:xfrm>
-                <a:off x="869388" y="30505366"/>
-                <a:ext cx="27729506" cy="6555641"/>
+                <a:off x="869388" y="28762731"/>
+                <a:ext cx="26526036" cy="6555641"/>
               </a:xfrm>
               <a:prstGeom prst="rect">
                 <a:avLst/>
@@ -3358,21 +3373,12 @@
                   <a:buChar char="•"/>
                 </a:pPr>
                 <a:r>
-                  <a:rPr lang="en-US" sz="6000" dirty="0"/>
-                  <a:t>Randomized complete block design with 4 replications. Each replication consisted of 11 cover crop species and 1 bare soil treatments. Red clover (</a:t>
-                </a:r>
-                <a:r>
-                  <a:rPr lang="en-US" sz="6000" i="1" dirty="0">
+                  <a:rPr lang="en-US" sz="6000" dirty="0">
                     <a:solidFill>
-                      <a:srgbClr val="4D5156"/>
+                      <a:schemeClr val="tx1"/>
                     </a:solidFill>
-                    <a:latin typeface="arial" panose="020B0604020202020204" pitchFamily="34" charset="0"/>
                   </a:rPr>
-                  <a:t>Trifolium pratense</a:t>
-                </a:r>
-                <a:r>
-                  <a:rPr lang="en-US" sz="6000" dirty="0"/>
-                  <a:t>) and bare soil are control treatments.</a:t>
+                  <a:t>Randomized complete block design with 4 replications (N = 48). Each replication consisted of 11 cover crop species and 1 bare soil treatments. Red clover and bare soil are control treatments.</a:t>
                 </a:r>
               </a:p>
               <a:p>
@@ -3381,23 +3387,43 @@
                   <a:buChar char="•"/>
                 </a:pPr>
                 <a:r>
-                  <a:rPr lang="en-US" sz="6000" dirty="0"/>
+                  <a:rPr lang="en-US" sz="6000" dirty="0">
+                    <a:solidFill>
+                      <a:schemeClr val="tx1"/>
+                    </a:solidFill>
+                  </a:rPr>
                   <a:t>10 </a:t>
                 </a:r>
                 <a:r>
-                  <a:rPr lang="en-US" sz="6000" i="1" dirty="0"/>
+                  <a:rPr lang="en-US" sz="6000" i="1" dirty="0">
+                    <a:solidFill>
+                      <a:schemeClr val="tx1"/>
+                    </a:solidFill>
+                  </a:rPr>
                   <a:t>Brassicaceae </a:t>
                 </a:r>
                 <a:r>
-                  <a:rPr lang="en-US" sz="6000" dirty="0"/>
+                  <a:rPr lang="en-US" sz="6000" dirty="0">
+                    <a:solidFill>
+                      <a:schemeClr val="tx1"/>
+                    </a:solidFill>
+                  </a:rPr>
                   <a:t>species and red clover were frost-seeded on March 23</a:t>
                 </a:r>
                 <a:r>
-                  <a:rPr lang="en-US" sz="6000" baseline="30000" dirty="0"/>
+                  <a:rPr lang="en-US" sz="6000" baseline="30000" dirty="0">
+                    <a:solidFill>
+                      <a:schemeClr val="tx1"/>
+                    </a:solidFill>
+                  </a:rPr>
                   <a:t>rd</a:t>
                 </a:r>
                 <a:r>
-                  <a:rPr lang="en-US" sz="6000" dirty="0"/>
+                  <a:rPr lang="en-US" sz="6000" dirty="0">
+                    <a:solidFill>
+                      <a:schemeClr val="tx1"/>
+                    </a:solidFill>
+                  </a:rPr>
                   <a:t>, 2022.</a:t>
                 </a:r>
               </a:p>
@@ -3407,7 +3433,11 @@
                   <a:buChar char="•"/>
                 </a:pPr>
                 <a:r>
-                  <a:rPr lang="en-US" sz="6000" dirty="0"/>
+                  <a:rPr lang="en-US" sz="6000" dirty="0">
+                    <a:solidFill>
+                      <a:schemeClr val="tx1"/>
+                    </a:solidFill>
+                  </a:rPr>
                   <a:t>0.25 </a:t>
                 </a:r>
                 <a14:m>
@@ -3416,6 +3446,9 @@
                       <m:sSupPr>
                         <m:ctrlPr>
                           <a:rPr lang="en-US" sz="6000" i="1">
+                            <a:solidFill>
+                              <a:schemeClr val="tx1"/>
+                            </a:solidFill>
                             <a:latin typeface="Cambria Math" panose="02040503050406030204" pitchFamily="18" charset="0"/>
                           </a:rPr>
                         </m:ctrlPr>
@@ -3423,6 +3456,9 @@
                       <m:e>
                         <m:r>
                           <a:rPr lang="en-US" sz="6000" i="1">
+                            <a:solidFill>
+                              <a:schemeClr val="tx1"/>
+                            </a:solidFill>
                             <a:latin typeface="Cambria Math" panose="02040503050406030204" pitchFamily="18" charset="0"/>
                           </a:rPr>
                           <m:t>𝑚</m:t>
@@ -3431,6 +3467,9 @@
                       <m:sup>
                         <m:r>
                           <a:rPr lang="en-US" sz="6000" i="1">
+                            <a:solidFill>
+                              <a:schemeClr val="tx1"/>
+                            </a:solidFill>
                             <a:latin typeface="Cambria Math" panose="02040503050406030204" pitchFamily="18" charset="0"/>
                           </a:rPr>
                           <m:t>2</m:t>
@@ -3440,8 +3479,28 @@
                   </m:oMath>
                 </a14:m>
                 <a:r>
-                  <a:rPr lang="en-US" sz="6000" dirty="0"/>
-                  <a:t> sampled per plot for crop and weed biomass.</a:t>
+                  <a:rPr lang="en-US" sz="6000" dirty="0">
+                    <a:solidFill>
+                      <a:schemeClr val="tx1"/>
+                    </a:solidFill>
+                  </a:rPr>
+                  <a:t> were sampled per plot on Jun 2</a:t>
+                </a:r>
+                <a:r>
+                  <a:rPr lang="en-US" sz="6000" baseline="30000" dirty="0">
+                    <a:solidFill>
+                      <a:schemeClr val="tx1"/>
+                    </a:solidFill>
+                  </a:rPr>
+                  <a:t>nd</a:t>
+                </a:r>
+                <a:r>
+                  <a:rPr lang="en-US" sz="6000" dirty="0">
+                    <a:solidFill>
+                      <a:schemeClr val="tx1"/>
+                    </a:solidFill>
+                  </a:rPr>
+                  <a:t>, 2022, for crop and weed biomass.</a:t>
                 </a:r>
               </a:p>
               <a:p>
@@ -3450,16 +3509,31 @@
                   <a:buChar char="•"/>
                 </a:pPr>
                 <a:r>
-                  <a:rPr lang="en-US" sz="6000" dirty="0" err="1"/>
+                  <a:rPr lang="en-US" sz="6000" dirty="0">
+                    <a:solidFill>
+                      <a:schemeClr val="tx1"/>
+                    </a:solidFill>
+                  </a:rPr>
+                  <a:t>Non-linear model for crop – weed competition was fitted with </a:t>
+                </a:r>
+                <a:r>
+                  <a:rPr lang="en-US" sz="6000" dirty="0" err="1">
+                    <a:solidFill>
+                      <a:schemeClr val="tx1"/>
+                    </a:solidFill>
+                    <a:latin typeface="Courier New" panose="02070309020205020404" pitchFamily="49" charset="0"/>
+                    <a:cs typeface="Courier New" panose="02070309020205020404" pitchFamily="49" charset="0"/>
+                  </a:rPr>
                   <a:t>nls</a:t>
                 </a:r>
                 <a:r>
-                  <a:rPr lang="en-US" sz="6000" dirty="0"/>
-                  <a:t> (stats package version 3.6.2) in R version 4.2.1</a:t>
+                  <a:rPr lang="en-US" sz="6000" dirty="0">
+                    <a:solidFill>
+                      <a:schemeClr val="tx1"/>
+                    </a:solidFill>
+                  </a:rPr>
+                  <a:t> (stats package version 3.6.2 [5]) in R version 4.2.1 [5].</a:t>
                 </a:r>
-              </a:p>
-              <a:p>
-                <a:endParaRPr lang="en-US" sz="6000" b="1" dirty="0"/>
               </a:p>
             </p:txBody>
           </p:sp>
@@ -3481,8 +3555,8 @@
             </p:nvSpPr>
             <p:spPr>
               <a:xfrm>
-                <a:off x="869388" y="30505366"/>
-                <a:ext cx="27729506" cy="6555641"/>
+                <a:off x="869388" y="28762731"/>
+                <a:ext cx="26526036" cy="6555641"/>
               </a:xfrm>
               <a:prstGeom prst="rect">
                 <a:avLst/>
@@ -3490,7 +3564,7 @@
               <a:blipFill>
                 <a:blip r:embed="rId4"/>
                 <a:stretch>
-                  <a:fillRect l="-1236" t="-2703" r="-1374"/>
+                  <a:fillRect l="-1292" t="-2703" r="-1340" b="-5212"/>
                 </a:stretch>
               </a:blipFill>
             </p:spPr>
@@ -3523,7 +3597,7 @@
         </p:nvSpPr>
         <p:spPr>
           <a:xfrm>
-            <a:off x="30326690" y="29361586"/>
+            <a:off x="30691019" y="26767782"/>
             <a:ext cx="4495545" cy="1015663"/>
           </a:xfrm>
           <a:prstGeom prst="rect">
@@ -3564,7 +3638,7 @@
         </p:nvSpPr>
         <p:spPr>
           <a:xfrm>
-            <a:off x="2237760" y="37602691"/>
+            <a:off x="2730136" y="36775569"/>
             <a:ext cx="19898215" cy="2862322"/>
           </a:xfrm>
           <a:prstGeom prst="rect">
@@ -3624,7 +3698,7 @@
             </p:nvSpPr>
             <p:spPr>
               <a:xfrm>
-                <a:off x="23618555" y="13179410"/>
+                <a:off x="22628351" y="10096740"/>
                 <a:ext cx="9653503" cy="2834750"/>
               </a:xfrm>
               <a:prstGeom prst="rect">
@@ -3782,7 +3856,7 @@
             </p:nvSpPr>
             <p:spPr>
               <a:xfrm>
-                <a:off x="23618555" y="13179410"/>
+                <a:off x="22628351" y="10096740"/>
                 <a:ext cx="9653503" cy="2834750"/>
               </a:xfrm>
               <a:prstGeom prst="rect">
@@ -3791,7 +3865,7 @@
               <a:blipFill>
                 <a:blip r:embed="rId5"/>
                 <a:stretch>
-                  <a:fillRect t="-446" b="-16518"/>
+                  <a:fillRect t="-444" b="-16444"/>
                 </a:stretch>
               </a:blipFill>
             </p:spPr>
@@ -3824,7 +3898,7 @@
         </p:nvSpPr>
         <p:spPr>
           <a:xfrm>
-            <a:off x="9149479" y="28994186"/>
+            <a:off x="9542581" y="27305534"/>
             <a:ext cx="9642945" cy="1938992"/>
           </a:xfrm>
           <a:prstGeom prst="rect">
@@ -3851,6 +3925,263 @@
           </a:p>
           <a:p>
             <a:endParaRPr lang="en-US" sz="6000" dirty="0"/>
+          </a:p>
+        </p:txBody>
+      </p:sp>
+      <p:sp>
+        <p:nvSpPr>
+          <p:cNvPr id="17" name="TextBox 16">
+            <a:extLst>
+              <a:ext uri="{FF2B5EF4-FFF2-40B4-BE49-F238E27FC236}">
+                <a16:creationId xmlns:a16="http://schemas.microsoft.com/office/drawing/2014/main" id="{DCDEE21D-561A-27B3-5C5A-C19B2935E03D}"/>
+              </a:ext>
+            </a:extLst>
+          </p:cNvPr>
+          <p:cNvSpPr txBox="1"/>
+          <p:nvPr/>
+        </p:nvSpPr>
+        <p:spPr>
+          <a:xfrm>
+            <a:off x="27440199" y="28147488"/>
+            <a:ext cx="12230098" cy="7478970"/>
+          </a:xfrm>
+          <a:prstGeom prst="rect">
+            <a:avLst/>
+          </a:prstGeom>
+          <a:noFill/>
+        </p:spPr>
+        <p:txBody>
+          <a:bodyPr wrap="square" rtlCol="0">
+            <a:spAutoFit/>
+          </a:bodyPr>
+          <a:lstStyle/>
+          <a:p>
+            <a:pPr marL="742950" indent="-742950">
+              <a:buAutoNum type="arabicPeriod"/>
+            </a:pPr>
+            <a:r>
+              <a:rPr lang="en-US" sz="3200" b="0" i="0" u="none" strike="noStrike" dirty="0">
+                <a:solidFill>
+                  <a:srgbClr val="222222"/>
+                </a:solidFill>
+                <a:effectLst/>
+                <a:latin typeface="Arial" panose="020B0604020202020204" pitchFamily="34" charset="0"/>
+              </a:rPr>
+              <a:t>Teasdale JR. Contribution of cover crops to weed management in sustainable agricultural systems. Journal of production agriculture. 1996 Oct;9(4):475-9. </a:t>
+            </a:r>
+          </a:p>
+          <a:p>
+            <a:pPr marL="742950" indent="-742950">
+              <a:buAutoNum type="arabicPeriod"/>
+            </a:pPr>
+            <a:r>
+              <a:rPr lang="en-US" sz="3200" b="0" i="0" u="none" strike="noStrike" dirty="0">
+                <a:solidFill>
+                  <a:srgbClr val="222222"/>
+                </a:solidFill>
+                <a:effectLst/>
+                <a:latin typeface="Arial" panose="020B0604020202020204" pitchFamily="34" charset="0"/>
+              </a:rPr>
+              <a:t>Ohno T, Doolan K, </a:t>
+            </a:r>
+            <a:r>
+              <a:rPr lang="en-US" sz="3200" b="0" i="0" u="none" strike="noStrike" dirty="0" err="1">
+                <a:solidFill>
+                  <a:srgbClr val="222222"/>
+                </a:solidFill>
+                <a:effectLst/>
+                <a:latin typeface="Arial" panose="020B0604020202020204" pitchFamily="34" charset="0"/>
+              </a:rPr>
+              <a:t>Zibilske</a:t>
+            </a:r>
+            <a:r>
+              <a:rPr lang="en-US" sz="3200" b="0" i="0" u="none" strike="noStrike" dirty="0">
+                <a:solidFill>
+                  <a:srgbClr val="222222"/>
+                </a:solidFill>
+                <a:effectLst/>
+                <a:latin typeface="Arial" panose="020B0604020202020204" pitchFamily="34" charset="0"/>
+              </a:rPr>
+              <a:t> LM, Liebman M, </a:t>
+            </a:r>
+            <a:r>
+              <a:rPr lang="en-US" sz="3200" b="0" i="0" u="none" strike="noStrike" dirty="0" err="1">
+                <a:solidFill>
+                  <a:srgbClr val="222222"/>
+                </a:solidFill>
+                <a:effectLst/>
+                <a:latin typeface="Arial" panose="020B0604020202020204" pitchFamily="34" charset="0"/>
+              </a:rPr>
+              <a:t>Gallandt</a:t>
+            </a:r>
+            <a:r>
+              <a:rPr lang="en-US" sz="3200" b="0" i="0" u="none" strike="noStrike" dirty="0">
+                <a:solidFill>
+                  <a:srgbClr val="222222"/>
+                </a:solidFill>
+                <a:effectLst/>
+                <a:latin typeface="Arial" panose="020B0604020202020204" pitchFamily="34" charset="0"/>
+              </a:rPr>
+              <a:t> ER, Berube C. Phytotoxic effects of red clover amended soils on wild mustard seedling growth. Agriculture, ecosystems &amp; environment. 2000 Apr 1;78(2):187-92.</a:t>
+            </a:r>
+          </a:p>
+          <a:p>
+            <a:pPr marL="742950" indent="-742950">
+              <a:buAutoNum type="arabicPeriod"/>
+            </a:pPr>
+            <a:r>
+              <a:rPr lang="en-US" sz="3200" dirty="0">
+                <a:solidFill>
+                  <a:srgbClr val="222222"/>
+                </a:solidFill>
+                <a:latin typeface="Arial" panose="020B0604020202020204" pitchFamily="34" charset="0"/>
+              </a:rPr>
+              <a:t>Duiker SW, Curran SW. </a:t>
+            </a:r>
+            <a:r>
+              <a:rPr lang="en-US" sz="3200" b="0" i="0" u="none" strike="noStrike" dirty="0">
+                <a:solidFill>
+                  <a:srgbClr val="001E44"/>
+                </a:solidFill>
+                <a:effectLst/>
+                <a:latin typeface="Roboto Slab"/>
+              </a:rPr>
+              <a:t>Management of red clover as a cover crop. </a:t>
+            </a:r>
+            <a:r>
+              <a:rPr lang="en-US" sz="3200" b="0" i="0" u="none" strike="noStrike" dirty="0" err="1">
+                <a:solidFill>
+                  <a:srgbClr val="001E44"/>
+                </a:solidFill>
+                <a:effectLst/>
+                <a:latin typeface="Roboto Slab"/>
+              </a:rPr>
+              <a:t>PennState</a:t>
+            </a:r>
+            <a:r>
+              <a:rPr lang="en-US" sz="3200" b="0" i="0" u="none" strike="noStrike" dirty="0">
+                <a:solidFill>
+                  <a:srgbClr val="001E44"/>
+                </a:solidFill>
+                <a:effectLst/>
+                <a:latin typeface="Roboto Slab"/>
+              </a:rPr>
+              <a:t> Extension. 2007 Oct.</a:t>
+            </a:r>
+          </a:p>
+          <a:p>
+            <a:pPr marL="742950" indent="-742950">
+              <a:buAutoNum type="arabicPeriod"/>
+            </a:pPr>
+            <a:r>
+              <a:rPr lang="en-US" sz="3200" b="0" i="0" u="none" strike="noStrike" dirty="0" err="1">
+                <a:solidFill>
+                  <a:srgbClr val="222222"/>
+                </a:solidFill>
+                <a:effectLst/>
+                <a:latin typeface="Arial" panose="020B0604020202020204" pitchFamily="34" charset="0"/>
+              </a:rPr>
+              <a:t>Haramoto</a:t>
+            </a:r>
+            <a:r>
+              <a:rPr lang="en-US" sz="3200" b="0" i="0" u="none" strike="noStrike" dirty="0">
+                <a:solidFill>
+                  <a:srgbClr val="222222"/>
+                </a:solidFill>
+                <a:effectLst/>
+                <a:latin typeface="Arial" panose="020B0604020202020204" pitchFamily="34" charset="0"/>
+              </a:rPr>
+              <a:t> ER, </a:t>
+            </a:r>
+            <a:r>
+              <a:rPr lang="en-US" sz="3200" b="0" i="0" u="none" strike="noStrike" dirty="0" err="1">
+                <a:solidFill>
+                  <a:srgbClr val="222222"/>
+                </a:solidFill>
+                <a:effectLst/>
+                <a:latin typeface="Arial" panose="020B0604020202020204" pitchFamily="34" charset="0"/>
+              </a:rPr>
+              <a:t>Gallandt</a:t>
+            </a:r>
+            <a:r>
+              <a:rPr lang="en-US" sz="3200" b="0" i="0" u="none" strike="noStrike" dirty="0">
+                <a:solidFill>
+                  <a:srgbClr val="222222"/>
+                </a:solidFill>
+                <a:effectLst/>
+                <a:latin typeface="Arial" panose="020B0604020202020204" pitchFamily="34" charset="0"/>
+              </a:rPr>
+              <a:t> ER. Brassica cover cropping for weed management: A review. Renewable agriculture and food systems. 2004 Dec;19(4):187-98.</a:t>
+            </a:r>
+          </a:p>
+          <a:p>
+            <a:pPr marL="742950" indent="-742950">
+              <a:buAutoNum type="arabicPeriod"/>
+            </a:pPr>
+            <a:r>
+              <a:rPr lang="en-US" sz="3200" dirty="0">
+                <a:latin typeface="Arial" panose="020B0604020202020204" pitchFamily="34" charset="0"/>
+                <a:cs typeface="Arial" panose="020B0604020202020204" pitchFamily="34" charset="0"/>
+              </a:rPr>
+              <a:t>R Core Team (2022). R: A language and environment for statistical computing. R Foundation for Statistical Computing, Vienna, Austria. URL: https://</a:t>
+            </a:r>
+            <a:r>
+              <a:rPr lang="en-US" sz="3200" dirty="0" err="1">
+                <a:latin typeface="Arial" panose="020B0604020202020204" pitchFamily="34" charset="0"/>
+                <a:cs typeface="Arial" panose="020B0604020202020204" pitchFamily="34" charset="0"/>
+              </a:rPr>
+              <a:t>www.R-project.org</a:t>
+            </a:r>
+            <a:r>
+              <a:rPr lang="en-US" sz="3200" dirty="0">
+                <a:latin typeface="Arial" panose="020B0604020202020204" pitchFamily="34" charset="0"/>
+                <a:cs typeface="Arial" panose="020B0604020202020204" pitchFamily="34" charset="0"/>
+              </a:rPr>
+              <a:t>/.</a:t>
+            </a:r>
+            <a:endParaRPr lang="en-US" sz="3200" u="none" strike="noStrike" dirty="0">
+              <a:solidFill>
+                <a:srgbClr val="222222"/>
+              </a:solidFill>
+              <a:effectLst/>
+              <a:latin typeface="Arial" panose="020B0604020202020204" pitchFamily="34" charset="0"/>
+              <a:cs typeface="Arial" panose="020B0604020202020204" pitchFamily="34" charset="0"/>
+            </a:endParaRPr>
+          </a:p>
+        </p:txBody>
+      </p:sp>
+      <p:sp>
+        <p:nvSpPr>
+          <p:cNvPr id="19" name="TextBox 18">
+            <a:extLst>
+              <a:ext uri="{FF2B5EF4-FFF2-40B4-BE49-F238E27FC236}">
+                <a16:creationId xmlns:a16="http://schemas.microsoft.com/office/drawing/2014/main" id="{650D2108-AA3E-A4EE-3DC4-0AB18077D759}"/>
+              </a:ext>
+            </a:extLst>
+          </p:cNvPr>
+          <p:cNvSpPr txBox="1"/>
+          <p:nvPr/>
+        </p:nvSpPr>
+        <p:spPr>
+          <a:xfrm>
+            <a:off x="1401443" y="25278569"/>
+            <a:ext cx="9565365" cy="1938992"/>
+          </a:xfrm>
+          <a:prstGeom prst="rect">
+            <a:avLst/>
+          </a:prstGeom>
+          <a:noFill/>
+        </p:spPr>
+        <p:txBody>
+          <a:bodyPr wrap="square" rtlCol="0">
+            <a:spAutoFit/>
+          </a:bodyPr>
+          <a:lstStyle/>
+          <a:p>
+            <a:r>
+              <a:rPr lang="en-US" sz="6000" b="1" dirty="0"/>
+              <a:t>Can other brassicas provide reliable weed suppression? </a:t>
+            </a:r>
           </a:p>
         </p:txBody>
       </p:sp>

--- a/7-Draft/wssa-23.pptx
+++ b/7-Draft/wssa-23.pptx
@@ -243,7 +243,7 @@
           <a:p>
             <a:fld id="{318A4400-B34D-9641-ACA4-6F51C2313905}" type="datetimeFigureOut">
               <a:rPr lang="en-US" smtClean="0"/>
-              <a:t>11/7/22</a:t>
+              <a:t>11/18/22</a:t>
             </a:fld>
             <a:endParaRPr lang="en-US"/>
           </a:p>
@@ -413,7 +413,7 @@
           <a:p>
             <a:fld id="{318A4400-B34D-9641-ACA4-6F51C2313905}" type="datetimeFigureOut">
               <a:rPr lang="en-US" smtClean="0"/>
-              <a:t>11/7/22</a:t>
+              <a:t>11/18/22</a:t>
             </a:fld>
             <a:endParaRPr lang="en-US"/>
           </a:p>
@@ -593,7 +593,7 @@
           <a:p>
             <a:fld id="{318A4400-B34D-9641-ACA4-6F51C2313905}" type="datetimeFigureOut">
               <a:rPr lang="en-US" smtClean="0"/>
-              <a:t>11/7/22</a:t>
+              <a:t>11/18/22</a:t>
             </a:fld>
             <a:endParaRPr lang="en-US"/>
           </a:p>
@@ -763,7 +763,7 @@
           <a:p>
             <a:fld id="{318A4400-B34D-9641-ACA4-6F51C2313905}" type="datetimeFigureOut">
               <a:rPr lang="en-US" smtClean="0"/>
-              <a:t>11/7/22</a:t>
+              <a:t>11/18/22</a:t>
             </a:fld>
             <a:endParaRPr lang="en-US"/>
           </a:p>
@@ -1007,7 +1007,7 @@
           <a:p>
             <a:fld id="{318A4400-B34D-9641-ACA4-6F51C2313905}" type="datetimeFigureOut">
               <a:rPr lang="en-US" smtClean="0"/>
-              <a:t>11/7/22</a:t>
+              <a:t>11/18/22</a:t>
             </a:fld>
             <a:endParaRPr lang="en-US"/>
           </a:p>
@@ -1239,7 +1239,7 @@
           <a:p>
             <a:fld id="{318A4400-B34D-9641-ACA4-6F51C2313905}" type="datetimeFigureOut">
               <a:rPr lang="en-US" smtClean="0"/>
-              <a:t>11/7/22</a:t>
+              <a:t>11/18/22</a:t>
             </a:fld>
             <a:endParaRPr lang="en-US"/>
           </a:p>
@@ -1606,7 +1606,7 @@
           <a:p>
             <a:fld id="{318A4400-B34D-9641-ACA4-6F51C2313905}" type="datetimeFigureOut">
               <a:rPr lang="en-US" smtClean="0"/>
-              <a:t>11/7/22</a:t>
+              <a:t>11/18/22</a:t>
             </a:fld>
             <a:endParaRPr lang="en-US"/>
           </a:p>
@@ -1724,7 +1724,7 @@
           <a:p>
             <a:fld id="{318A4400-B34D-9641-ACA4-6F51C2313905}" type="datetimeFigureOut">
               <a:rPr lang="en-US" smtClean="0"/>
-              <a:t>11/7/22</a:t>
+              <a:t>11/18/22</a:t>
             </a:fld>
             <a:endParaRPr lang="en-US"/>
           </a:p>
@@ -1819,7 +1819,7 @@
           <a:p>
             <a:fld id="{318A4400-B34D-9641-ACA4-6F51C2313905}" type="datetimeFigureOut">
               <a:rPr lang="en-US" smtClean="0"/>
-              <a:t>11/7/22</a:t>
+              <a:t>11/18/22</a:t>
             </a:fld>
             <a:endParaRPr lang="en-US"/>
           </a:p>
@@ -2096,7 +2096,7 @@
           <a:p>
             <a:fld id="{318A4400-B34D-9641-ACA4-6F51C2313905}" type="datetimeFigureOut">
               <a:rPr lang="en-US" smtClean="0"/>
-              <a:t>11/7/22</a:t>
+              <a:t>11/18/22</a:t>
             </a:fld>
             <a:endParaRPr lang="en-US"/>
           </a:p>
@@ -2353,7 +2353,7 @@
           <a:p>
             <a:fld id="{318A4400-B34D-9641-ACA4-6F51C2313905}" type="datetimeFigureOut">
               <a:rPr lang="en-US" smtClean="0"/>
-              <a:t>11/7/22</a:t>
+              <a:t>11/18/22</a:t>
             </a:fld>
             <a:endParaRPr lang="en-US"/>
           </a:p>
@@ -2566,7 +2566,7 @@
           <a:p>
             <a:fld id="{318A4400-B34D-9641-ACA4-6F51C2313905}" type="datetimeFigureOut">
               <a:rPr lang="en-US" smtClean="0"/>
-              <a:t>11/7/22</a:t>
+              <a:t>11/18/22</a:t>
             </a:fld>
             <a:endParaRPr lang="en-US"/>
           </a:p>
@@ -3355,7 +3355,7 @@
             <p:spPr>
               <a:xfrm>
                 <a:off x="869388" y="28762731"/>
-                <a:ext cx="26526036" cy="6555641"/>
+                <a:ext cx="26526036" cy="10248960"/>
               </a:xfrm>
               <a:prstGeom prst="rect">
                 <a:avLst/>
@@ -3378,7 +3378,7 @@
                       <a:schemeClr val="tx1"/>
                     </a:solidFill>
                   </a:rPr>
-                  <a:t>Randomized complete block design with 4 replications (N = 48). Each replication consisted of 11 cover crop species and 1 bare soil treatments. Red clover and bare soil are control treatments.</a:t>
+                  <a:t>Randomized complete block design with 4 replications (N = 48). Each replication consisted of 10 brassica cover crop species, 1 red clover, and 1 bare soil treatment. Red clover and bare soil are control treatments.</a:t>
                 </a:r>
               </a:p>
               <a:p>
@@ -3438,7 +3438,7 @@
                       <a:schemeClr val="tx1"/>
                     </a:solidFill>
                   </a:rPr>
-                  <a:t>0.25 </a:t>
+                  <a:t>Crop speculative coverage was evaluated from a 0.25 </a:t>
                 </a:r>
                 <a14:m>
                   <m:oMath xmlns:m="http://schemas.openxmlformats.org/officeDocument/2006/math">
@@ -3484,7 +3484,7 @@
                       <a:schemeClr val="tx1"/>
                     </a:solidFill>
                   </a:rPr>
-                  <a:t> were sampled per plot on Jun 2</a:t>
+                  <a:t> quadrat per plot on Jun 2</a:t>
                 </a:r>
                 <a:r>
                   <a:rPr lang="en-US" sz="6000" baseline="30000" dirty="0">
@@ -3500,7 +3500,7 @@
                       <a:schemeClr val="tx1"/>
                     </a:solidFill>
                   </a:rPr>
-                  <a:t>, 2022, for crop and weed biomass.</a:t>
+                  <a:t>, 2022.</a:t>
                 </a:r>
               </a:p>
               <a:p>
@@ -3514,7 +3514,101 @@
                       <a:schemeClr val="tx1"/>
                     </a:solidFill>
                   </a:rPr>
-                  <a:t>Non-linear model for crop – weed competition was fitted with </a:t>
+                  <a:t>Crop and weed biomass were harvested from a 0.25 </a:t>
+                </a:r>
+                <a14:m>
+                  <m:oMath xmlns:m="http://schemas.openxmlformats.org/officeDocument/2006/math">
+                    <m:sSup>
+                      <m:sSupPr>
+                        <m:ctrlPr>
+                          <a:rPr lang="en-US" sz="6000" i="1">
+                            <a:solidFill>
+                              <a:schemeClr val="tx1"/>
+                            </a:solidFill>
+                            <a:latin typeface="Cambria Math" panose="02040503050406030204" pitchFamily="18" charset="0"/>
+                          </a:rPr>
+                        </m:ctrlPr>
+                      </m:sSupPr>
+                      <m:e>
+                        <m:r>
+                          <a:rPr lang="en-US" sz="6000" i="1">
+                            <a:solidFill>
+                              <a:schemeClr val="tx1"/>
+                            </a:solidFill>
+                            <a:latin typeface="Cambria Math" panose="02040503050406030204" pitchFamily="18" charset="0"/>
+                          </a:rPr>
+                          <m:t>𝑚</m:t>
+                        </m:r>
+                      </m:e>
+                      <m:sup>
+                        <m:r>
+                          <a:rPr lang="en-US" sz="6000" i="1">
+                            <a:solidFill>
+                              <a:schemeClr val="tx1"/>
+                            </a:solidFill>
+                            <a:latin typeface="Cambria Math" panose="02040503050406030204" pitchFamily="18" charset="0"/>
+                          </a:rPr>
+                          <m:t>2</m:t>
+                        </m:r>
+                      </m:sup>
+                    </m:sSup>
+                  </m:oMath>
+                </a14:m>
+                <a:r>
+                  <a:rPr lang="en-US" sz="6000" dirty="0">
+                    <a:solidFill>
+                      <a:schemeClr val="tx1"/>
+                    </a:solidFill>
+                  </a:rPr>
+                  <a:t> quadrat per plot on Jun 3</a:t>
+                </a:r>
+                <a:r>
+                  <a:rPr lang="en-US" sz="6000" baseline="30000" dirty="0">
+                    <a:solidFill>
+                      <a:schemeClr val="tx1"/>
+                    </a:solidFill>
+                  </a:rPr>
+                  <a:t>rd</a:t>
+                </a:r>
+                <a:r>
+                  <a:rPr lang="en-US" sz="6000" dirty="0">
+                    <a:solidFill>
+                      <a:schemeClr val="tx1"/>
+                    </a:solidFill>
+                  </a:rPr>
+                  <a:t>, 2022.</a:t>
+                </a:r>
+              </a:p>
+              <a:p>
+                <a:pPr marL="857250" indent="-857250">
+                  <a:buFont typeface="Arial" panose="020B0604020202020204" pitchFamily="34" charset="0"/>
+                  <a:buChar char="•"/>
+                </a:pPr>
+                <a:r>
+                  <a:rPr lang="en-US" sz="6000" dirty="0"/>
+                  <a:t>Linear model for crop speculative coverage was fitted with </a:t>
+                </a:r>
+                <a:r>
+                  <a:rPr lang="en-US" sz="6000" dirty="0" err="1">
+                    <a:latin typeface="Courier New" panose="02070309020205020404" pitchFamily="49" charset="0"/>
+                    <a:cs typeface="Courier New" panose="02070309020205020404" pitchFamily="49" charset="0"/>
+                  </a:rPr>
+                  <a:t>lm</a:t>
+                </a:r>
+                <a:r>
+                  <a:rPr lang="en-US" sz="6000" dirty="0">
+                    <a:latin typeface="Courier New" panose="02070309020205020404" pitchFamily="49" charset="0"/>
+                    <a:cs typeface="Courier New" panose="02070309020205020404" pitchFamily="49" charset="0"/>
+                  </a:rPr>
+                  <a:t> </a:t>
+                </a:r>
+                <a:r>
+                  <a:rPr lang="en-US" sz="6000" dirty="0">
+                    <a:solidFill>
+                      <a:schemeClr val="tx1"/>
+                    </a:solidFill>
+                  </a:rPr>
+                  <a:t>and non-linear model for crop – weed competition was fitted with </a:t>
                 </a:r>
                 <a:r>
                   <a:rPr lang="en-US" sz="6000" dirty="0" err="1">
@@ -3556,7 +3650,7 @@
             <p:spPr>
               <a:xfrm>
                 <a:off x="869388" y="28762731"/>
-                <a:ext cx="26526036" cy="6555641"/>
+                <a:ext cx="26526036" cy="10248960"/>
               </a:xfrm>
               <a:prstGeom prst="rect">
                 <a:avLst/>
@@ -3564,7 +3658,7 @@
               <a:blipFill>
                 <a:blip r:embed="rId4"/>
                 <a:stretch>
-                  <a:fillRect l="-1292" t="-2703" r="-1340" b="-5212"/>
+                  <a:fillRect l="-1292" t="-1733" r="-1962" b="-3094"/>
                 </a:stretch>
               </a:blipFill>
             </p:spPr>
@@ -3638,8 +3732,8 @@
         </p:nvSpPr>
         <p:spPr>
           <a:xfrm>
-            <a:off x="2730136" y="36775569"/>
-            <a:ext cx="19898215" cy="2862322"/>
+            <a:off x="27810002" y="36195535"/>
+            <a:ext cx="12230099" cy="3785652"/>
           </a:xfrm>
           <a:prstGeom prst="rect">
             <a:avLst/>
@@ -3682,8 +3776,8 @@
           </a:p>
         </p:txBody>
       </p:sp>
-      <mc:AlternateContent xmlns:mc="http://schemas.openxmlformats.org/markup-compatibility/2006">
-        <mc:Choice xmlns:a14="http://schemas.microsoft.com/office/drawing/2010/main" Requires="a14">
+      <mc:AlternateContent xmlns:mc="http://schemas.openxmlformats.org/markup-compatibility/2006" xmlns:a14="http://schemas.microsoft.com/office/drawing/2010/main">
+        <mc:Choice Requires="a14">
           <p:sp>
             <p:nvSpPr>
               <p:cNvPr id="13" name="TextBox 12">
@@ -3839,7 +3933,7 @@
             </p:txBody>
           </p:sp>
         </mc:Choice>
-        <mc:Fallback>
+        <mc:Fallback xmlns="">
           <p:sp>
             <p:nvSpPr>
               <p:cNvPr id="13" name="TextBox 12">
@@ -4185,6 +4279,36 @@
           </a:p>
         </p:txBody>
       </p:sp>
+      <p:pic>
+        <p:nvPicPr>
+          <p:cNvPr id="6" name="Picture 5" descr="Chart&#10;&#10;Description automatically generated">
+            <a:extLst>
+              <a:ext uri="{FF2B5EF4-FFF2-40B4-BE49-F238E27FC236}">
+                <a16:creationId xmlns:a16="http://schemas.microsoft.com/office/drawing/2014/main" id="{E21A3446-F47B-5CFB-8EC3-4C15A31C6235}"/>
+              </a:ext>
+            </a:extLst>
+          </p:cNvPr>
+          <p:cNvPicPr>
+            <a:picLocks noChangeAspect="1"/>
+          </p:cNvPicPr>
+          <p:nvPr/>
+        </p:nvPicPr>
+        <p:blipFill>
+          <a:blip r:embed="rId6"/>
+          <a:stretch>
+            <a:fillRect/>
+          </a:stretch>
+        </p:blipFill>
+        <p:spPr>
+          <a:xfrm>
+            <a:off x="23647616" y="13643336"/>
+            <a:ext cx="8605425" cy="5163255"/>
+          </a:xfrm>
+          <a:prstGeom prst="rect">
+            <a:avLst/>
+          </a:prstGeom>
+        </p:spPr>
+      </p:pic>
     </p:spTree>
     <p:extLst>
       <p:ext uri="{BB962C8B-B14F-4D97-AF65-F5344CB8AC3E}">
